--- a/RUST_TUTORIAL_24_SLIDE.pptx
+++ b/RUST_TUTORIAL_24_SLIDE.pptx
@@ -3806,7 +3806,7 @@
           <a:p>
             <a:r>
               <a:rPr lang="de-DE" dirty="0"/>
-              <a:t>How to modify elements of  a struct using another struct elements value</a:t>
+              <a:t>How to modify elements of  a struct using elements from another struct</a:t>
             </a:r>
           </a:p>
           <a:p>
@@ -4193,7 +4193,7 @@
         </p:spPr>
         <p:txBody>
           <a:bodyPr vert="horz" lIns="91440" tIns="45720" rIns="91440" bIns="45720" rtlCol="0" anchor="ctr">
-            <a:normAutofit/>
+            <a:normAutofit fontScale="90000"/>
           </a:bodyPr>
           <a:lstStyle/>
           <a:p>
@@ -4206,7 +4206,7 @@
                 <a:ea typeface="+mj-ea"/>
                 <a:cs typeface="+mj-cs"/>
               </a:rPr>
-              <a:t>How to modify struct elements using another struct</a:t>
+              <a:t>How to modify struct elements using elements from another struct</a:t>
             </a:r>
           </a:p>
         </p:txBody>
